--- a/Assignment 2 presentation.pptx
+++ b/Assignment 2 presentation.pptx
@@ -7204,7 +7204,12 @@
             <p:ph idx="1"/>
           </p:nvPr>
         </p:nvSpPr>
-        <p:spPr/>
+        <p:spPr>
+          <a:xfrm>
+            <a:off x="119709" y="2127305"/>
+            <a:ext cx="4581245" cy="3880773"/>
+          </a:xfrm>
+        </p:spPr>
         <p:txBody>
           <a:bodyPr>
             <a:normAutofit/>
@@ -7212,21 +7217,45 @@
           <a:lstStyle/>
           <a:p>
             <a:r>
-              <a:rPr lang="en-US" sz="2000" dirty="0"/>
+              <a:rPr lang="en-US" sz="2100" dirty="0"/>
               <a:t>I have used ninja forms to add a order form to the website, it was very easy to use and also user friendly and provide the option to develop a form from the scratch and also gives out templates to make our work easier.</a:t>
             </a:r>
           </a:p>
           <a:p>
             <a:endParaRPr lang="en-US" sz="2000" dirty="0"/>
           </a:p>
-          <a:p>
-            <a:r>
-              <a:rPr lang="en-US" sz="2000" dirty="0"/>
-              <a:t>I have also used Jetpack which provides me with the paid and premium features of wordpress.com which made it easier for me to make changes to my website.</a:t>
-            </a:r>
-          </a:p>
-        </p:txBody>
-      </p:sp>
+        </p:txBody>
+      </p:sp>
+      <p:pic>
+        <p:nvPicPr>
+          <p:cNvPr id="5" name="Picture 4">
+            <a:extLst>
+              <a:ext uri="{FF2B5EF4-FFF2-40B4-BE49-F238E27FC236}">
+                <a16:creationId xmlns:a16="http://schemas.microsoft.com/office/drawing/2014/main" id="{E28B22EF-71DC-46D1-BE93-FD7CAE1ADFD2}"/>
+              </a:ext>
+            </a:extLst>
+          </p:cNvPr>
+          <p:cNvPicPr>
+            <a:picLocks noChangeAspect="1"/>
+          </p:cNvPicPr>
+          <p:nvPr/>
+        </p:nvPicPr>
+        <p:blipFill>
+          <a:blip r:embed="rId2"/>
+          <a:stretch>
+            <a:fillRect/>
+          </a:stretch>
+        </p:blipFill>
+        <p:spPr>
+          <a:xfrm>
+            <a:off x="4970586" y="1178168"/>
+            <a:ext cx="7101706" cy="4749209"/>
+          </a:xfrm>
+          <a:prstGeom prst="rect">
+            <a:avLst/>
+          </a:prstGeom>
+        </p:spPr>
+      </p:pic>
     </p:spTree>
     <p:extLst>
       <p:ext uri="{BB962C8B-B14F-4D97-AF65-F5344CB8AC3E}">
